--- a/doc/CarneShop e-commerce Apresentacao.pptx
+++ b/doc/CarneShop e-commerce Apresentacao.pptx
@@ -16,7 +16,11 @@
     <p:sldId id="267" r:id="rId10"/>
     <p:sldId id="261" r:id="rId11"/>
     <p:sldId id="262" r:id="rId12"/>
-    <p:sldId id="263" r:id="rId13"/>
+    <p:sldId id="268" r:id="rId13"/>
+    <p:sldId id="269" r:id="rId14"/>
+    <p:sldId id="270" r:id="rId15"/>
+    <p:sldId id="271" r:id="rId16"/>
+    <p:sldId id="263" r:id="rId17"/>
   </p:sldIdLst>
   <p:sldSz cx="12192000" cy="6858000"/>
   <p:notesSz cx="6858000" cy="9144000"/>
@@ -6172,6 +6176,655 @@
 </file>
 
 <file path=ppt/slides/slide12.xml><?xml version="1.0" encoding="utf-8"?>
+<p:sld xmlns:a="http://schemas.openxmlformats.org/drawingml/2006/main" xmlns:r="http://schemas.openxmlformats.org/officeDocument/2006/relationships" xmlns:p="http://schemas.openxmlformats.org/presentationml/2006/main">
+  <p:cSld>
+    <p:spTree>
+      <p:nvGrpSpPr>
+        <p:cNvPr id="1" name=""/>
+        <p:cNvGrpSpPr/>
+        <p:nvPr/>
+      </p:nvGrpSpPr>
+      <p:grpSpPr>
+        <a:xfrm>
+          <a:off x="0" y="0"/>
+          <a:ext cx="0" cy="0"/>
+          <a:chOff x="0" y="0"/>
+          <a:chExt cx="0" cy="0"/>
+        </a:xfrm>
+      </p:grpSpPr>
+      <p:sp>
+        <p:nvSpPr>
+          <p:cNvPr id="2" name="Título 1">
+            <a:extLst>
+              <a:ext uri="{FF2B5EF4-FFF2-40B4-BE49-F238E27FC236}">
+                <a16:creationId xmlns:a16="http://schemas.microsoft.com/office/drawing/2014/main" id="{25B1AFDA-9C17-4A13-85D6-108686014435}"/>
+              </a:ext>
+            </a:extLst>
+          </p:cNvPr>
+          <p:cNvSpPr>
+            <a:spLocks noGrp="1"/>
+          </p:cNvSpPr>
+          <p:nvPr>
+            <p:ph type="title"/>
+          </p:nvPr>
+        </p:nvSpPr>
+        <p:spPr/>
+        <p:txBody>
+          <a:bodyPr/>
+          <a:lstStyle/>
+          <a:p>
+            <a:r>
+              <a:rPr lang="pt-BR" dirty="0"/>
+              <a:t>Relatórios</a:t>
+            </a:r>
+          </a:p>
+        </p:txBody>
+      </p:sp>
+      <p:sp>
+        <p:nvSpPr>
+          <p:cNvPr id="3" name="Espaço Reservado para Conteúdo 2">
+            <a:extLst>
+              <a:ext uri="{FF2B5EF4-FFF2-40B4-BE49-F238E27FC236}">
+                <a16:creationId xmlns:a16="http://schemas.microsoft.com/office/drawing/2014/main" id="{12158334-BD30-4E08-A31D-E5392BEDF899}"/>
+              </a:ext>
+            </a:extLst>
+          </p:cNvPr>
+          <p:cNvSpPr>
+            <a:spLocks noGrp="1"/>
+          </p:cNvSpPr>
+          <p:nvPr>
+            <p:ph idx="1"/>
+          </p:nvPr>
+        </p:nvSpPr>
+        <p:spPr/>
+        <p:txBody>
+          <a:bodyPr>
+            <a:normAutofit fontScale="92500"/>
+          </a:bodyPr>
+          <a:lstStyle/>
+          <a:p>
+            <a:pPr marL="0" indent="0">
+              <a:buNone/>
+            </a:pPr>
+            <a:r>
+              <a:rPr lang="pt-BR" dirty="0"/>
+              <a:t>A) Relacionar o código e nome de clientes do sexo feminino com idades entre 20 e 30 anos da cidade de </a:t>
+            </a:r>
+            <a:r>
+              <a:rPr lang="pt-BR" dirty="0" err="1"/>
+              <a:t>Itapiranga</a:t>
+            </a:r>
+            <a:r>
+              <a:rPr lang="pt-BR" dirty="0"/>
+              <a:t> - SC. Ordenar o relatório em ordem alfabética.</a:t>
+            </a:r>
+          </a:p>
+          <a:p>
+            <a:pPr marL="0" indent="0">
+              <a:buNone/>
+            </a:pPr>
+            <a:r>
+              <a:rPr lang="pt-BR" dirty="0"/>
+              <a:t>R.: SELECT C.CPFCLNT, C.NOMCLNT FROM CLIENTE C INNER JOIN ENDERECO_CLIENTE T ON C.CPFCLNT = T.CLIENTECPFCLNT WHERE C.SEXCLNT = 'F' AND T.CIDENDCLNT ILIKE 'ITAPIRANGA' AND (CAST(TO_CHAR(AGE(CURRENT_DATE, C.NASCLNT),'YY') AS INTEGER) &gt;= 20 AND CAST(TO_CHAR(AGE(CURRENT_DATE, C.NASCLNT),'YY') AS INTEGER) &lt;= 30) ORDER BY C.NOMCLNT;</a:t>
+            </a:r>
+          </a:p>
+        </p:txBody>
+      </p:sp>
+    </p:spTree>
+    <p:extLst>
+      <p:ext uri="{BB962C8B-B14F-4D97-AF65-F5344CB8AC3E}">
+        <p14:creationId xmlns:p14="http://schemas.microsoft.com/office/powerpoint/2010/main" val="2600492593"/>
+      </p:ext>
+    </p:extLst>
+  </p:cSld>
+  <p:clrMapOvr>
+    <a:masterClrMapping/>
+  </p:clrMapOvr>
+</p:sld>
+</file>
+
+<file path=ppt/slides/slide13.xml><?xml version="1.0" encoding="utf-8"?>
+<p:sld xmlns:a="http://schemas.openxmlformats.org/drawingml/2006/main" xmlns:r="http://schemas.openxmlformats.org/officeDocument/2006/relationships" xmlns:p="http://schemas.openxmlformats.org/presentationml/2006/main">
+  <p:cSld>
+    <p:spTree>
+      <p:nvGrpSpPr>
+        <p:cNvPr id="1" name=""/>
+        <p:cNvGrpSpPr/>
+        <p:nvPr/>
+      </p:nvGrpSpPr>
+      <p:grpSpPr>
+        <a:xfrm>
+          <a:off x="0" y="0"/>
+          <a:ext cx="0" cy="0"/>
+          <a:chOff x="0" y="0"/>
+          <a:chExt cx="0" cy="0"/>
+        </a:xfrm>
+      </p:grpSpPr>
+      <p:sp>
+        <p:nvSpPr>
+          <p:cNvPr id="2" name="Título 1">
+            <a:extLst>
+              <a:ext uri="{FF2B5EF4-FFF2-40B4-BE49-F238E27FC236}">
+                <a16:creationId xmlns:a16="http://schemas.microsoft.com/office/drawing/2014/main" id="{7DEFF8A3-A4FD-44A7-8742-9895F18C75C3}"/>
+              </a:ext>
+            </a:extLst>
+          </p:cNvPr>
+          <p:cNvSpPr>
+            <a:spLocks noGrp="1"/>
+          </p:cNvSpPr>
+          <p:nvPr>
+            <p:ph type="title"/>
+          </p:nvPr>
+        </p:nvSpPr>
+        <p:spPr/>
+        <p:txBody>
+          <a:bodyPr/>
+          <a:lstStyle/>
+          <a:p>
+            <a:r>
+              <a:rPr lang="pt-BR" dirty="0"/>
+              <a:t>Relatórios</a:t>
+            </a:r>
+          </a:p>
+        </p:txBody>
+      </p:sp>
+      <p:sp>
+        <p:nvSpPr>
+          <p:cNvPr id="3" name="Espaço Reservado para Conteúdo 2">
+            <a:extLst>
+              <a:ext uri="{FF2B5EF4-FFF2-40B4-BE49-F238E27FC236}">
+                <a16:creationId xmlns:a16="http://schemas.microsoft.com/office/drawing/2014/main" id="{4F6644D2-A282-4DDC-9E2A-885E12A5A894}"/>
+              </a:ext>
+            </a:extLst>
+          </p:cNvPr>
+          <p:cNvSpPr>
+            <a:spLocks noGrp="1"/>
+          </p:cNvSpPr>
+          <p:nvPr>
+            <p:ph idx="1"/>
+          </p:nvPr>
+        </p:nvSpPr>
+        <p:spPr/>
+        <p:txBody>
+          <a:bodyPr/>
+          <a:lstStyle/>
+          <a:p>
+            <a:pPr marL="0" indent="0">
+              <a:buNone/>
+            </a:pPr>
+            <a:r>
+              <a:rPr lang="pt-BR" dirty="0"/>
+              <a:t>B) Relacionar o código e nome de clientes com mais de 2 telefones cadastrados</a:t>
+            </a:r>
+          </a:p>
+          <a:p>
+            <a:pPr marL="0" indent="0">
+              <a:buNone/>
+            </a:pPr>
+            <a:r>
+              <a:rPr lang="pt-BR" dirty="0"/>
+              <a:t>R.: SELECT C.CPFCLNT, C.NOMCLNT FROM CLIENTE C INNER JOIN TELEFONE_CLIENTE T ON C.CPFCLNT = T.CLIENTECPFCLNT GROUP BY C.CPFCLNT HAVING COUNT(T.CODTELCLNT) &gt;= 2;</a:t>
+            </a:r>
+          </a:p>
+        </p:txBody>
+      </p:sp>
+    </p:spTree>
+    <p:extLst>
+      <p:ext uri="{BB962C8B-B14F-4D97-AF65-F5344CB8AC3E}">
+        <p14:creationId xmlns:p14="http://schemas.microsoft.com/office/powerpoint/2010/main" val="523115324"/>
+      </p:ext>
+    </p:extLst>
+  </p:cSld>
+  <p:clrMapOvr>
+    <a:masterClrMapping/>
+  </p:clrMapOvr>
+</p:sld>
+</file>
+
+<file path=ppt/slides/slide14.xml><?xml version="1.0" encoding="utf-8"?>
+<p:sld xmlns:a="http://schemas.openxmlformats.org/drawingml/2006/main" xmlns:r="http://schemas.openxmlformats.org/officeDocument/2006/relationships" xmlns:p="http://schemas.openxmlformats.org/presentationml/2006/main">
+  <p:cSld>
+    <p:spTree>
+      <p:nvGrpSpPr>
+        <p:cNvPr id="1" name=""/>
+        <p:cNvGrpSpPr/>
+        <p:nvPr/>
+      </p:nvGrpSpPr>
+      <p:grpSpPr>
+        <a:xfrm>
+          <a:off x="0" y="0"/>
+          <a:ext cx="0" cy="0"/>
+          <a:chOff x="0" y="0"/>
+          <a:chExt cx="0" cy="0"/>
+        </a:xfrm>
+      </p:grpSpPr>
+      <p:sp>
+        <p:nvSpPr>
+          <p:cNvPr id="2" name="Título 1">
+            <a:extLst>
+              <a:ext uri="{FF2B5EF4-FFF2-40B4-BE49-F238E27FC236}">
+                <a16:creationId xmlns:a16="http://schemas.microsoft.com/office/drawing/2014/main" id="{6FD4969E-5A86-479B-B721-92499F556C58}"/>
+              </a:ext>
+            </a:extLst>
+          </p:cNvPr>
+          <p:cNvSpPr>
+            <a:spLocks noGrp="1"/>
+          </p:cNvSpPr>
+          <p:nvPr>
+            <p:ph type="title"/>
+          </p:nvPr>
+        </p:nvSpPr>
+        <p:spPr/>
+        <p:txBody>
+          <a:bodyPr/>
+          <a:lstStyle/>
+          <a:p>
+            <a:r>
+              <a:rPr lang="pt-BR" dirty="0"/>
+              <a:t>Relatórios</a:t>
+            </a:r>
+          </a:p>
+        </p:txBody>
+      </p:sp>
+      <p:sp>
+        <p:nvSpPr>
+          <p:cNvPr id="3" name="Espaço Reservado para Conteúdo 2">
+            <a:extLst>
+              <a:ext uri="{FF2B5EF4-FFF2-40B4-BE49-F238E27FC236}">
+                <a16:creationId xmlns:a16="http://schemas.microsoft.com/office/drawing/2014/main" id="{F47054D4-07E1-4D23-BF58-ADE6B40A0C1B}"/>
+              </a:ext>
+            </a:extLst>
+          </p:cNvPr>
+          <p:cNvSpPr>
+            <a:spLocks noGrp="1"/>
+          </p:cNvSpPr>
+          <p:nvPr>
+            <p:ph idx="1"/>
+          </p:nvPr>
+        </p:nvSpPr>
+        <p:spPr/>
+        <p:txBody>
+          <a:bodyPr>
+            <a:normAutofit fontScale="92500" lnSpcReduction="20000"/>
+          </a:bodyPr>
+          <a:lstStyle/>
+          <a:p>
+            <a:pPr marL="0" indent="0">
+              <a:buNone/>
+            </a:pPr>
+            <a:r>
+              <a:rPr lang="pt-BR" dirty="0"/>
+              <a:t>C) Relacionar código, quantidade e valor total, agrupadas por mês de vendas realizadas em meses pares de 2017. Relacionar da venda com maior valor para a venda com menor valor.</a:t>
+            </a:r>
+          </a:p>
+          <a:p>
+            <a:pPr marL="0" indent="0">
+              <a:buNone/>
+            </a:pPr>
+            <a:r>
+              <a:rPr lang="pt-BR" dirty="0"/>
+              <a:t>R.: SELECT DATE_PART('MONTH' , DATVENDA) AS MÊS,V.CODVENDA, COUNT(E.PRODUTOCODPROD) AS "QNT DE ITENS", V.VALVENDA FROM VENDA V INNER JOIN PEDIDO D ON V.PEDIDOCODPED = D.CODPED INNER JOIN PEDIDO_PRODUTO E ON D.CODPED = E.PEDIDOCODPED WHERE (CAST(DATE_PART('MONTH' , DATVENDA) AS INTEGER)%2 = 0) AND (DATE_PART('YEAR' , DATVENDA) = '2017') GROUP BY V.CODVENDA ORDER BY DATE_PART('MONTH' , DATVENDA), VALVENDA DESC;</a:t>
+            </a:r>
+          </a:p>
+        </p:txBody>
+      </p:sp>
+    </p:spTree>
+    <p:extLst>
+      <p:ext uri="{BB962C8B-B14F-4D97-AF65-F5344CB8AC3E}">
+        <p14:creationId xmlns:p14="http://schemas.microsoft.com/office/powerpoint/2010/main" val="640496605"/>
+      </p:ext>
+    </p:extLst>
+  </p:cSld>
+  <p:clrMapOvr>
+    <a:masterClrMapping/>
+  </p:clrMapOvr>
+</p:sld>
+</file>
+
+<file path=ppt/slides/slide15.xml><?xml version="1.0" encoding="utf-8"?>
+<p:sld xmlns:a="http://schemas.openxmlformats.org/drawingml/2006/main" xmlns:r="http://schemas.openxmlformats.org/officeDocument/2006/relationships" xmlns:p="http://schemas.openxmlformats.org/presentationml/2006/main">
+  <p:cSld>
+    <p:spTree>
+      <p:nvGrpSpPr>
+        <p:cNvPr id="1" name=""/>
+        <p:cNvGrpSpPr/>
+        <p:nvPr/>
+      </p:nvGrpSpPr>
+      <p:grpSpPr>
+        <a:xfrm>
+          <a:off x="0" y="0"/>
+          <a:ext cx="0" cy="0"/>
+          <a:chOff x="0" y="0"/>
+          <a:chExt cx="0" cy="0"/>
+        </a:xfrm>
+      </p:grpSpPr>
+      <p:sp>
+        <p:nvSpPr>
+          <p:cNvPr id="2" name="Título 1">
+            <a:extLst>
+              <a:ext uri="{FF2B5EF4-FFF2-40B4-BE49-F238E27FC236}">
+                <a16:creationId xmlns:a16="http://schemas.microsoft.com/office/drawing/2014/main" id="{2AA5D105-F444-48F2-8CF2-808DCE39DF12}"/>
+              </a:ext>
+            </a:extLst>
+          </p:cNvPr>
+          <p:cNvSpPr>
+            <a:spLocks noGrp="1"/>
+          </p:cNvSpPr>
+          <p:nvPr>
+            <p:ph type="title"/>
+          </p:nvPr>
+        </p:nvSpPr>
+        <p:spPr/>
+        <p:txBody>
+          <a:bodyPr/>
+          <a:lstStyle/>
+          <a:p>
+            <a:r>
+              <a:rPr lang="pt-BR" dirty="0"/>
+              <a:t>Relatórios</a:t>
+            </a:r>
+          </a:p>
+        </p:txBody>
+      </p:sp>
+      <p:sp>
+        <p:nvSpPr>
+          <p:cNvPr id="3" name="Espaço Reservado para Conteúdo 2">
+            <a:extLst>
+              <a:ext uri="{FF2B5EF4-FFF2-40B4-BE49-F238E27FC236}">
+                <a16:creationId xmlns:a16="http://schemas.microsoft.com/office/drawing/2014/main" id="{782E31B9-0587-4C2B-A0A2-F313E4ED665A}"/>
+              </a:ext>
+            </a:extLst>
+          </p:cNvPr>
+          <p:cNvSpPr>
+            <a:spLocks noGrp="1"/>
+          </p:cNvSpPr>
+          <p:nvPr>
+            <p:ph idx="1"/>
+          </p:nvPr>
+        </p:nvSpPr>
+        <p:spPr/>
+        <p:txBody>
+          <a:bodyPr/>
+          <a:lstStyle/>
+          <a:p>
+            <a:pPr marL="0" indent="0">
+              <a:buNone/>
+            </a:pPr>
+            <a:r>
+              <a:rPr lang="pt-BR" dirty="0"/>
+              <a:t>D) Relacionar o código e nome do produto, data e valor total da última venda realizada. Ordenar o relatório em ordem alfabética.</a:t>
+            </a:r>
+          </a:p>
+          <a:p>
+            <a:pPr marL="0" indent="0">
+              <a:buNone/>
+            </a:pPr>
+            <a:r>
+              <a:rPr lang="pt-BR" dirty="0"/>
+              <a:t>SELECT </a:t>
+            </a:r>
+            <a:r>
+              <a:rPr lang="pt-BR" dirty="0" err="1"/>
+              <a:t>p.codprod</a:t>
+            </a:r>
+            <a:r>
+              <a:rPr lang="pt-BR" dirty="0"/>
+              <a:t>, </a:t>
+            </a:r>
+            <a:r>
+              <a:rPr lang="pt-BR" dirty="0" err="1"/>
+              <a:t>p.nomprod</a:t>
+            </a:r>
+            <a:r>
+              <a:rPr lang="pt-BR" dirty="0"/>
+              <a:t>, </a:t>
+            </a:r>
+            <a:r>
+              <a:rPr lang="pt-BR" dirty="0" err="1"/>
+              <a:t>v.datvenda</a:t>
+            </a:r>
+            <a:r>
+              <a:rPr lang="pt-BR" dirty="0"/>
+              <a:t>, </a:t>
+            </a:r>
+            <a:r>
+              <a:rPr lang="pt-BR" dirty="0" err="1"/>
+              <a:t>v.valvenda</a:t>
+            </a:r>
+            <a:r>
+              <a:rPr lang="pt-BR" dirty="0"/>
+              <a:t> FROM </a:t>
+            </a:r>
+            <a:r>
+              <a:rPr lang="pt-BR" dirty="0" err="1"/>
+              <a:t>pedido_produto</a:t>
+            </a:r>
+            <a:r>
+              <a:rPr lang="pt-BR" dirty="0"/>
+              <a:t> pp INNER JOIN pedido </a:t>
+            </a:r>
+            <a:r>
+              <a:rPr lang="pt-BR" dirty="0" err="1"/>
+              <a:t>pe</a:t>
+            </a:r>
+            <a:r>
+              <a:rPr lang="pt-BR" dirty="0"/>
+              <a:t> ON </a:t>
+            </a:r>
+            <a:r>
+              <a:rPr lang="pt-BR" dirty="0" err="1"/>
+              <a:t>pe.codped</a:t>
+            </a:r>
+            <a:r>
+              <a:rPr lang="pt-BR" dirty="0"/>
+              <a:t> = </a:t>
+            </a:r>
+            <a:r>
+              <a:rPr lang="pt-BR" dirty="0" err="1"/>
+              <a:t>pp.pedidocodped</a:t>
+            </a:r>
+            <a:r>
+              <a:rPr lang="pt-BR" dirty="0"/>
+              <a:t> INNER JOIN venda v </a:t>
+            </a:r>
+            <a:r>
+              <a:rPr lang="pt-BR" dirty="0" err="1"/>
+              <a:t>on</a:t>
+            </a:r>
+            <a:r>
+              <a:rPr lang="pt-BR" dirty="0"/>
+              <a:t> </a:t>
+            </a:r>
+            <a:r>
+              <a:rPr lang="pt-BR" dirty="0" err="1"/>
+              <a:t>v.pedidocodped</a:t>
+            </a:r>
+            <a:r>
+              <a:rPr lang="pt-BR" dirty="0"/>
+              <a:t> = </a:t>
+            </a:r>
+            <a:r>
+              <a:rPr lang="pt-BR" dirty="0" err="1"/>
+              <a:t>pe.codped</a:t>
+            </a:r>
+            <a:r>
+              <a:rPr lang="pt-BR" dirty="0"/>
+              <a:t> INNER JOIN produto p </a:t>
+            </a:r>
+            <a:r>
+              <a:rPr lang="pt-BR" dirty="0" err="1"/>
+              <a:t>on</a:t>
+            </a:r>
+            <a:r>
+              <a:rPr lang="pt-BR" dirty="0"/>
+              <a:t> </a:t>
+            </a:r>
+            <a:r>
+              <a:rPr lang="pt-BR" dirty="0" err="1"/>
+              <a:t>p.codprod</a:t>
+            </a:r>
+            <a:r>
+              <a:rPr lang="pt-BR" dirty="0"/>
+              <a:t> = </a:t>
+            </a:r>
+            <a:r>
+              <a:rPr lang="pt-BR" dirty="0" err="1"/>
+              <a:t>pp.produtocodprod</a:t>
+            </a:r>
+            <a:r>
+              <a:rPr lang="pt-BR" dirty="0"/>
+              <a:t> WHERE </a:t>
+            </a:r>
+            <a:r>
+              <a:rPr lang="pt-BR" dirty="0" err="1"/>
+              <a:t>v.datvenda</a:t>
+            </a:r>
+            <a:r>
+              <a:rPr lang="pt-BR" dirty="0"/>
+              <a:t> = (</a:t>
+            </a:r>
+            <a:r>
+              <a:rPr lang="pt-BR" dirty="0" err="1"/>
+              <a:t>select</a:t>
+            </a:r>
+            <a:r>
+              <a:rPr lang="pt-BR" dirty="0"/>
+              <a:t> </a:t>
+            </a:r>
+            <a:r>
+              <a:rPr lang="pt-BR" dirty="0" err="1"/>
+              <a:t>max</a:t>
+            </a:r>
+            <a:r>
+              <a:rPr lang="pt-BR" dirty="0"/>
+              <a:t>(</a:t>
+            </a:r>
+            <a:r>
+              <a:rPr lang="pt-BR" dirty="0" err="1"/>
+              <a:t>datvenda</a:t>
+            </a:r>
+            <a:r>
+              <a:rPr lang="pt-BR" dirty="0"/>
+              <a:t>) </a:t>
+            </a:r>
+            <a:r>
+              <a:rPr lang="pt-BR" dirty="0" err="1"/>
+              <a:t>from</a:t>
+            </a:r>
+            <a:r>
+              <a:rPr lang="pt-BR" dirty="0"/>
+              <a:t> venda) </a:t>
+            </a:r>
+            <a:r>
+              <a:rPr lang="pt-BR" dirty="0" err="1"/>
+              <a:t>and</a:t>
+            </a:r>
+            <a:r>
+              <a:rPr lang="pt-BR" dirty="0"/>
+              <a:t> </a:t>
+            </a:r>
+            <a:r>
+              <a:rPr lang="pt-BR" dirty="0" err="1"/>
+              <a:t>v.horvenda</a:t>
+            </a:r>
+            <a:r>
+              <a:rPr lang="pt-BR" dirty="0"/>
+              <a:t> = (</a:t>
+            </a:r>
+            <a:r>
+              <a:rPr lang="pt-BR" dirty="0" err="1"/>
+              <a:t>select</a:t>
+            </a:r>
+            <a:r>
+              <a:rPr lang="pt-BR" dirty="0"/>
+              <a:t> </a:t>
+            </a:r>
+            <a:r>
+              <a:rPr lang="pt-BR" dirty="0" err="1"/>
+              <a:t>max</a:t>
+            </a:r>
+            <a:r>
+              <a:rPr lang="pt-BR" dirty="0"/>
+              <a:t>(</a:t>
+            </a:r>
+            <a:r>
+              <a:rPr lang="pt-BR" dirty="0" err="1"/>
+              <a:t>horvenda</a:t>
+            </a:r>
+            <a:r>
+              <a:rPr lang="pt-BR" dirty="0"/>
+              <a:t>) </a:t>
+            </a:r>
+            <a:r>
+              <a:rPr lang="pt-BR" dirty="0" err="1"/>
+              <a:t>from</a:t>
+            </a:r>
+            <a:r>
+              <a:rPr lang="pt-BR" dirty="0"/>
+              <a:t> venda </a:t>
+            </a:r>
+            <a:r>
+              <a:rPr lang="pt-BR" dirty="0" err="1"/>
+              <a:t>where</a:t>
+            </a:r>
+            <a:r>
+              <a:rPr lang="pt-BR" dirty="0"/>
+              <a:t> </a:t>
+            </a:r>
+            <a:r>
+              <a:rPr lang="pt-BR" dirty="0" err="1"/>
+              <a:t>datvenda</a:t>
+            </a:r>
+            <a:r>
+              <a:rPr lang="pt-BR" dirty="0"/>
+              <a:t> = </a:t>
+            </a:r>
+            <a:r>
+              <a:rPr lang="pt-BR" dirty="0" err="1"/>
+              <a:t>v.datvenda</a:t>
+            </a:r>
+            <a:r>
+              <a:rPr lang="pt-BR" dirty="0"/>
+              <a:t>) </a:t>
+            </a:r>
+            <a:r>
+              <a:rPr lang="pt-BR" dirty="0" err="1"/>
+              <a:t>order</a:t>
+            </a:r>
+            <a:r>
+              <a:rPr lang="pt-BR" dirty="0"/>
+              <a:t> </a:t>
+            </a:r>
+            <a:r>
+              <a:rPr lang="pt-BR" dirty="0" err="1"/>
+              <a:t>by</a:t>
+            </a:r>
+            <a:r>
+              <a:rPr lang="pt-BR" dirty="0"/>
+              <a:t> </a:t>
+            </a:r>
+            <a:r>
+              <a:rPr lang="pt-BR" dirty="0" err="1"/>
+              <a:t>p.nomprod</a:t>
+            </a:r>
+            <a:endParaRPr lang="pt-BR" dirty="0"/>
+          </a:p>
+        </p:txBody>
+      </p:sp>
+    </p:spTree>
+    <p:extLst>
+      <p:ext uri="{BB962C8B-B14F-4D97-AF65-F5344CB8AC3E}">
+        <p14:creationId xmlns:p14="http://schemas.microsoft.com/office/powerpoint/2010/main" val="4166189789"/>
+      </p:ext>
+    </p:extLst>
+  </p:cSld>
+  <p:clrMapOvr>
+    <a:masterClrMapping/>
+  </p:clrMapOvr>
+</p:sld>
+</file>
+
+<file path=ppt/slides/slide16.xml><?xml version="1.0" encoding="utf-8"?>
 <p:sld xmlns:a="http://schemas.openxmlformats.org/drawingml/2006/main" xmlns:r="http://schemas.openxmlformats.org/officeDocument/2006/relationships" xmlns:p="http://schemas.openxmlformats.org/presentationml/2006/main">
   <p:cSld>
     <p:spTree>
@@ -7445,7 +8098,7 @@
           <a:graphicData uri="http://schemas.openxmlformats.org/presentationml/2006/ole">
             <mc:AlternateContent xmlns:mc="http://schemas.openxmlformats.org/markup-compatibility/2006">
               <mc:Choice xmlns:v="urn:schemas-microsoft-com:vml" Requires="v">
-                <p:oleObj spid="_x0000_s2056" name="Objeto de Shell de Gerenciador" showAsIcon="1" r:id="rId3" imgW="1071360" imgH="456480" progId="Package">
+                <p:oleObj spid="_x0000_s2059" name="Objeto de Shell de Gerenciador" showAsIcon="1" r:id="rId3" imgW="1071360" imgH="456480" progId="Package">
                   <p:embed/>
                 </p:oleObj>
               </mc:Choice>
@@ -7604,7 +8257,7 @@
           <a:graphicData uri="http://schemas.openxmlformats.org/presentationml/2006/ole">
             <mc:AlternateContent xmlns:mc="http://schemas.openxmlformats.org/markup-compatibility/2006">
               <mc:Choice xmlns:v="urn:schemas-microsoft-com:vml" Requires="v">
-                <p:oleObj spid="_x0000_s3080" name="Objeto de Shell de Gerenciador" showAsIcon="1" r:id="rId4" imgW="1334880" imgH="456480" progId="Package">
+                <p:oleObj spid="_x0000_s3083" name="Objeto de Shell de Gerenciador" showAsIcon="1" r:id="rId4" imgW="1334880" imgH="456480" progId="Package">
                   <p:embed/>
                 </p:oleObj>
               </mc:Choice>
@@ -7850,7 +8503,7 @@
           <a:graphicData uri="http://schemas.openxmlformats.org/presentationml/2006/ole">
             <mc:AlternateContent xmlns:mc="http://schemas.openxmlformats.org/markup-compatibility/2006">
               <mc:Choice xmlns:v="urn:schemas-microsoft-com:vml" Requires="v">
-                <p:oleObj spid="_x0000_s1080" name="Objeto de Shell de Gerenciador" showAsIcon="1" r:id="rId3" imgW="1005480" imgH="456480" progId="Package">
+                <p:oleObj spid="_x0000_s1098" name="Objeto de Shell de Gerenciador" showAsIcon="1" r:id="rId3" imgW="1005480" imgH="456480" progId="Package">
                   <p:embed/>
                 </p:oleObj>
               </mc:Choice>
@@ -7913,7 +8566,7 @@
           <a:graphicData uri="http://schemas.openxmlformats.org/presentationml/2006/ole">
             <mc:AlternateContent xmlns:mc="http://schemas.openxmlformats.org/markup-compatibility/2006">
               <mc:Choice xmlns:v="urn:schemas-microsoft-com:vml" Requires="v">
-                <p:oleObj spid="_x0000_s1081" name="Objeto de Shell de Gerenciador" showAsIcon="1" r:id="rId5" imgW="532800" imgH="456480" progId="Package">
+                <p:oleObj spid="_x0000_s1099" name="Objeto de Shell de Gerenciador" showAsIcon="1" r:id="rId5" imgW="532800" imgH="456480" progId="Package">
                   <p:embed/>
                 </p:oleObj>
               </mc:Choice>
@@ -7976,7 +8629,7 @@
           <a:graphicData uri="http://schemas.openxmlformats.org/presentationml/2006/ole">
             <mc:AlternateContent xmlns:mc="http://schemas.openxmlformats.org/markup-compatibility/2006">
               <mc:Choice xmlns:v="urn:schemas-microsoft-com:vml" Requires="v">
-                <p:oleObj spid="_x0000_s1082" name="Objeto de Shell de Gerenciador" showAsIcon="1" r:id="rId7" imgW="1082160" imgH="456480" progId="Package">
+                <p:oleObj spid="_x0000_s1100" name="Objeto de Shell de Gerenciador" showAsIcon="1" r:id="rId7" imgW="1082160" imgH="456480" progId="Package">
                   <p:embed/>
                 </p:oleObj>
               </mc:Choice>
@@ -8039,7 +8692,7 @@
           <a:graphicData uri="http://schemas.openxmlformats.org/presentationml/2006/ole">
             <mc:AlternateContent xmlns:mc="http://schemas.openxmlformats.org/markup-compatibility/2006">
               <mc:Choice xmlns:v="urn:schemas-microsoft-com:vml" Requires="v">
-                <p:oleObj spid="_x0000_s1083" name="Objeto de Shell de Gerenciador" showAsIcon="1" r:id="rId9" imgW="1021680" imgH="456480" progId="Package">
+                <p:oleObj spid="_x0000_s1101" name="Objeto de Shell de Gerenciador" showAsIcon="1" r:id="rId9" imgW="1021680" imgH="456480" progId="Package">
                   <p:embed/>
                 </p:oleObj>
               </mc:Choice>
@@ -8102,7 +8755,7 @@
           <a:graphicData uri="http://schemas.openxmlformats.org/presentationml/2006/ole">
             <mc:AlternateContent xmlns:mc="http://schemas.openxmlformats.org/markup-compatibility/2006">
               <mc:Choice xmlns:v="urn:schemas-microsoft-com:vml" Requires="v">
-                <p:oleObj spid="_x0000_s1084" name="Objeto de Shell de Gerenciador" showAsIcon="1" r:id="rId11" imgW="642600" imgH="456480" progId="Package">
+                <p:oleObj spid="_x0000_s1102" name="Objeto de Shell de Gerenciador" showAsIcon="1" r:id="rId11" imgW="642600" imgH="456480" progId="Package">
                   <p:embed/>
                 </p:oleObj>
               </mc:Choice>
@@ -8165,7 +8818,7 @@
           <a:graphicData uri="http://schemas.openxmlformats.org/presentationml/2006/ole">
             <mc:AlternateContent xmlns:mc="http://schemas.openxmlformats.org/markup-compatibility/2006">
               <mc:Choice xmlns:v="urn:schemas-microsoft-com:vml" Requires="v">
-                <p:oleObj spid="_x0000_s1085" name="Objeto de Shell de Gerenciador" showAsIcon="1" r:id="rId13" imgW="576720" imgH="456480" progId="Package">
+                <p:oleObj spid="_x0000_s1103" name="Objeto de Shell de Gerenciador" showAsIcon="1" r:id="rId13" imgW="576720" imgH="456480" progId="Package">
                   <p:embed/>
                 </p:oleObj>
               </mc:Choice>
@@ -8543,7 +9196,7 @@
           <a:graphicData uri="http://schemas.openxmlformats.org/presentationml/2006/ole">
             <mc:AlternateContent xmlns:mc="http://schemas.openxmlformats.org/markup-compatibility/2006">
               <mc:Choice xmlns:v="urn:schemas-microsoft-com:vml" Requires="v">
-                <p:oleObj spid="_x0000_s4146" name="Objeto de Shell de Gerenciador" showAsIcon="1" r:id="rId3" imgW="884520" imgH="456480" progId="Package">
+                <p:oleObj spid="_x0000_s4194" name="Objeto de Shell de Gerenciador" showAsIcon="1" r:id="rId3" imgW="884520" imgH="456480" progId="Package">
                   <p:embed/>
                 </p:oleObj>
               </mc:Choice>
@@ -8606,7 +9259,7 @@
           <a:graphicData uri="http://schemas.openxmlformats.org/presentationml/2006/ole">
             <mc:AlternateContent xmlns:mc="http://schemas.openxmlformats.org/markup-compatibility/2006">
               <mc:Choice xmlns:v="urn:schemas-microsoft-com:vml" Requires="v">
-                <p:oleObj spid="_x0000_s4147" name="Objeto de Shell de Gerenciador" showAsIcon="1" r:id="rId5" imgW="1109880" imgH="456480" progId="Package">
+                <p:oleObj spid="_x0000_s4195" name="Objeto de Shell de Gerenciador" showAsIcon="1" r:id="rId5" imgW="1109880" imgH="456480" progId="Package">
                   <p:embed/>
                 </p:oleObj>
               </mc:Choice>
@@ -8669,7 +9322,7 @@
           <a:graphicData uri="http://schemas.openxmlformats.org/presentationml/2006/ole">
             <mc:AlternateContent xmlns:mc="http://schemas.openxmlformats.org/markup-compatibility/2006">
               <mc:Choice xmlns:v="urn:schemas-microsoft-com:vml" Requires="v">
-                <p:oleObj spid="_x0000_s4148" name="Objeto de Shell de Gerenciador" showAsIcon="1" r:id="rId7" imgW="1137240" imgH="456480" progId="Package">
+                <p:oleObj spid="_x0000_s4196" name="Objeto de Shell de Gerenciador" showAsIcon="1" r:id="rId7" imgW="1137240" imgH="456480" progId="Package">
                   <p:embed/>
                 </p:oleObj>
               </mc:Choice>
@@ -8732,7 +9385,7 @@
           <a:graphicData uri="http://schemas.openxmlformats.org/presentationml/2006/ole">
             <mc:AlternateContent xmlns:mc="http://schemas.openxmlformats.org/markup-compatibility/2006">
               <mc:Choice xmlns:v="urn:schemas-microsoft-com:vml" Requires="v">
-                <p:oleObj spid="_x0000_s4149" name="Objeto de Shell de Gerenciador" showAsIcon="1" r:id="rId9" imgW="923040" imgH="456480" progId="Package">
+                <p:oleObj spid="_x0000_s4197" name="Objeto de Shell de Gerenciador" showAsIcon="1" r:id="rId9" imgW="923040" imgH="456480" progId="Package">
                   <p:embed/>
                 </p:oleObj>
               </mc:Choice>
@@ -8795,7 +9448,7 @@
           <a:graphicData uri="http://schemas.openxmlformats.org/presentationml/2006/ole">
             <mc:AlternateContent xmlns:mc="http://schemas.openxmlformats.org/markup-compatibility/2006">
               <mc:Choice xmlns:v="urn:schemas-microsoft-com:vml" Requires="v">
-                <p:oleObj spid="_x0000_s4150" name="Objeto de Shell de Gerenciador" showAsIcon="1" r:id="rId11" imgW="758160" imgH="456480" progId="Package">
+                <p:oleObj spid="_x0000_s4198" name="Objeto de Shell de Gerenciador" showAsIcon="1" r:id="rId11" imgW="758160" imgH="456480" progId="Package">
                   <p:embed/>
                 </p:oleObj>
               </mc:Choice>
@@ -8858,7 +9511,7 @@
           <a:graphicData uri="http://schemas.openxmlformats.org/presentationml/2006/ole">
             <mc:AlternateContent xmlns:mc="http://schemas.openxmlformats.org/markup-compatibility/2006">
               <mc:Choice xmlns:v="urn:schemas-microsoft-com:vml" Requires="v">
-                <p:oleObj spid="_x0000_s4151" name="Objeto de Shell de Gerenciador" showAsIcon="1" r:id="rId13" imgW="637200" imgH="456480" progId="Package">
+                <p:oleObj spid="_x0000_s4199" name="Objeto de Shell de Gerenciador" showAsIcon="1" r:id="rId13" imgW="637200" imgH="456480" progId="Package">
                   <p:embed/>
                 </p:oleObj>
               </mc:Choice>
@@ -8921,7 +9574,7 @@
           <a:graphicData uri="http://schemas.openxmlformats.org/presentationml/2006/ole">
             <mc:AlternateContent xmlns:mc="http://schemas.openxmlformats.org/markup-compatibility/2006">
               <mc:Choice xmlns:v="urn:schemas-microsoft-com:vml" Requires="v">
-                <p:oleObj spid="_x0000_s4152" name="Objeto de Shell de Gerenciador" showAsIcon="1" r:id="rId15" imgW="637200" imgH="456480" progId="Package">
+                <p:oleObj spid="_x0000_s4200" name="Objeto de Shell de Gerenciador" showAsIcon="1" r:id="rId15" imgW="637200" imgH="456480" progId="Package">
                   <p:embed/>
                 </p:oleObj>
               </mc:Choice>
@@ -8984,7 +9637,7 @@
           <a:graphicData uri="http://schemas.openxmlformats.org/presentationml/2006/ole">
             <mc:AlternateContent xmlns:mc="http://schemas.openxmlformats.org/markup-compatibility/2006">
               <mc:Choice xmlns:v="urn:schemas-microsoft-com:vml" Requires="v">
-                <p:oleObj spid="_x0000_s4153" name="Objeto de Shell de Gerenciador" showAsIcon="1" r:id="rId17" imgW="999720" imgH="456480" progId="Package">
+                <p:oleObj spid="_x0000_s4201" name="Objeto de Shell de Gerenciador" showAsIcon="1" r:id="rId17" imgW="999720" imgH="456480" progId="Package">
                   <p:embed/>
                 </p:oleObj>
               </mc:Choice>
@@ -9047,7 +9700,7 @@
           <a:graphicData uri="http://schemas.openxmlformats.org/presentationml/2006/ole">
             <mc:AlternateContent xmlns:mc="http://schemas.openxmlformats.org/markup-compatibility/2006">
               <mc:Choice xmlns:v="urn:schemas-microsoft-com:vml" Requires="v">
-                <p:oleObj spid="_x0000_s4154" name="Objeto de Shell de Gerenciador" showAsIcon="1" r:id="rId19" imgW="1060200" imgH="456480" progId="Package">
+                <p:oleObj spid="_x0000_s4202" name="Objeto de Shell de Gerenciador" showAsIcon="1" r:id="rId19" imgW="1060200" imgH="456480" progId="Package">
                   <p:embed/>
                 </p:oleObj>
               </mc:Choice>
@@ -9110,7 +9763,7 @@
           <a:graphicData uri="http://schemas.openxmlformats.org/presentationml/2006/ole">
             <mc:AlternateContent xmlns:mc="http://schemas.openxmlformats.org/markup-compatibility/2006">
               <mc:Choice xmlns:v="urn:schemas-microsoft-com:vml" Requires="v">
-                <p:oleObj spid="_x0000_s4155" name="Objeto de Shell de Gerenciador" showAsIcon="1" r:id="rId21" imgW="1170000" imgH="456480" progId="Package">
+                <p:oleObj spid="_x0000_s4203" name="Objeto de Shell de Gerenciador" showAsIcon="1" r:id="rId21" imgW="1170000" imgH="456480" progId="Package">
                   <p:embed/>
                 </p:oleObj>
               </mc:Choice>
@@ -9173,7 +9826,7 @@
           <a:graphicData uri="http://schemas.openxmlformats.org/presentationml/2006/ole">
             <mc:AlternateContent xmlns:mc="http://schemas.openxmlformats.org/markup-compatibility/2006">
               <mc:Choice xmlns:v="urn:schemas-microsoft-com:vml" Requires="v">
-                <p:oleObj spid="_x0000_s4156" name="Objeto de Shell de Gerenciador" showAsIcon="1" r:id="rId23" imgW="692280" imgH="456480" progId="Package">
+                <p:oleObj spid="_x0000_s4204" name="Objeto de Shell de Gerenciador" showAsIcon="1" r:id="rId23" imgW="692280" imgH="456480" progId="Package">
                   <p:embed/>
                 </p:oleObj>
               </mc:Choice>
@@ -9236,7 +9889,7 @@
           <a:graphicData uri="http://schemas.openxmlformats.org/presentationml/2006/ole">
             <mc:AlternateContent xmlns:mc="http://schemas.openxmlformats.org/markup-compatibility/2006">
               <mc:Choice xmlns:v="urn:schemas-microsoft-com:vml" Requires="v">
-                <p:oleObj spid="_x0000_s4157" name="Objeto de Shell de Gerenciador" showAsIcon="1" r:id="rId25" imgW="692280" imgH="456480" progId="Package">
+                <p:oleObj spid="_x0000_s4205" name="Objeto de Shell de Gerenciador" showAsIcon="1" r:id="rId25" imgW="692280" imgH="456480" progId="Package">
                   <p:embed/>
                 </p:oleObj>
               </mc:Choice>
@@ -9299,7 +9952,7 @@
           <a:graphicData uri="http://schemas.openxmlformats.org/presentationml/2006/ole">
             <mc:AlternateContent xmlns:mc="http://schemas.openxmlformats.org/markup-compatibility/2006">
               <mc:Choice xmlns:v="urn:schemas-microsoft-com:vml" Requires="v">
-                <p:oleObj spid="_x0000_s4158" name="Objeto de Shell de Gerenciador" showAsIcon="1" r:id="rId27" imgW="988920" imgH="456480" progId="Package">
+                <p:oleObj spid="_x0000_s4206" name="Objeto de Shell de Gerenciador" showAsIcon="1" r:id="rId27" imgW="988920" imgH="456480" progId="Package">
                   <p:embed/>
                 </p:oleObj>
               </mc:Choice>
@@ -9362,7 +10015,7 @@
           <a:graphicData uri="http://schemas.openxmlformats.org/presentationml/2006/ole">
             <mc:AlternateContent xmlns:mc="http://schemas.openxmlformats.org/markup-compatibility/2006">
               <mc:Choice xmlns:v="urn:schemas-microsoft-com:vml" Requires="v">
-                <p:oleObj spid="_x0000_s4159" name="Objeto de Shell de Gerenciador" showAsIcon="1" r:id="rId29" imgW="1082160" imgH="456480" progId="Package">
+                <p:oleObj spid="_x0000_s4207" name="Objeto de Shell de Gerenciador" showAsIcon="1" r:id="rId29" imgW="1082160" imgH="456480" progId="Package">
                   <p:embed/>
                 </p:oleObj>
               </mc:Choice>
@@ -9412,7 +10065,7 @@
           <p:nvPr>
             <p:extLst>
               <p:ext uri="{D42A27DB-BD31-4B8C-83A1-F6EECF244321}">
-                <p14:modId xmlns:p14="http://schemas.microsoft.com/office/powerpoint/2010/main" val="3963764166"/>
+                <p14:modId xmlns:p14="http://schemas.microsoft.com/office/powerpoint/2010/main" val="2240459523"/>
               </p:ext>
             </p:extLst>
           </p:nvPr>
@@ -9425,7 +10078,7 @@
           <a:graphicData uri="http://schemas.openxmlformats.org/presentationml/2006/ole">
             <mc:AlternateContent xmlns:mc="http://schemas.openxmlformats.org/markup-compatibility/2006">
               <mc:Choice xmlns:v="urn:schemas-microsoft-com:vml" Requires="v">
-                <p:oleObj spid="_x0000_s4160" name="Objeto de Shell de Gerenciador" showAsIcon="1" r:id="rId31" imgW="1076760" imgH="456480" progId="Package">
+                <p:oleObj spid="_x0000_s4208" name="Objeto de Shell de Gerenciador" showAsIcon="1" r:id="rId31" imgW="1076760" imgH="456480" progId="Package">
                   <p:embed/>
                 </p:oleObj>
               </mc:Choice>
@@ -9488,7 +10141,7 @@
           <a:graphicData uri="http://schemas.openxmlformats.org/presentationml/2006/ole">
             <mc:AlternateContent xmlns:mc="http://schemas.openxmlformats.org/markup-compatibility/2006">
               <mc:Choice xmlns:v="urn:schemas-microsoft-com:vml" Requires="v">
-                <p:oleObj spid="_x0000_s4161" name="Objeto de Shell de Gerenciador" showAsIcon="1" r:id="rId33" imgW="538560" imgH="456480" progId="Package">
+                <p:oleObj spid="_x0000_s4209" name="Objeto de Shell de Gerenciador" showAsIcon="1" r:id="rId33" imgW="538560" imgH="456480" progId="Package">
                   <p:embed/>
                 </p:oleObj>
               </mc:Choice>
